--- a/Banking Application Presentation.pptx
+++ b/Banking Application Presentation.pptx
@@ -5950,23 +5950,17 @@
           <a:p>
             <a:r>
               <a:rPr lang="en-US" dirty="0"/>
-              <a:t>Existing banking customers can deposit and withdraw from their checking account</a:t>
+              <a:t>Existing banking customers can deposit and withdraw from their checking accounts. </a:t>
             </a:r>
           </a:p>
           <a:p>
             <a:r>
               <a:rPr lang="en-US" dirty="0"/>
-              <a:t>Display checking account information.</a:t>
-            </a:r>
-          </a:p>
-          <a:p>
-            <a:r>
-              <a:rPr lang="en-US" dirty="0"/>
-              <a:t>Coming soon option to deposit and withdraw from their </a:t>
-            </a:r>
-            <a:r>
-              <a:rPr lang="en-US"/>
-              <a:t>savings account.</a:t>
+              <a:t>Display checking account information such as first name, last name, account number, and balance</a:t>
+            </a:r>
+            <a:r>
+              <a:rPr lang="en-US"/>
+              <a:t>. </a:t>
             </a:r>
             <a:endParaRPr lang="en-US" dirty="0"/>
           </a:p>

--- a/Banking Application Presentation.pptx
+++ b/Banking Application Presentation.pptx
@@ -7,7 +7,8 @@
   <p:sldIdLst>
     <p:sldId id="256" r:id="rId2"/>
     <p:sldId id="257" r:id="rId3"/>
-    <p:sldId id="258" r:id="rId4"/>
+    <p:sldId id="259" r:id="rId4"/>
+    <p:sldId id="258" r:id="rId5"/>
   </p:sldIdLst>
   <p:sldSz cx="12192000" cy="6858000"/>
   <p:notesSz cx="6858000" cy="9144000"/>
@@ -106,6 +107,11 @@
       </a:defRPr>
     </a:lvl9pPr>
   </p:defaultTextStyle>
+  <p:extLst>
+    <p:ext uri="{EFAFB233-063F-42B5-8137-9DF3F51BA10A}">
+      <p15:sldGuideLst xmlns:p15="http://schemas.microsoft.com/office/powerpoint/2012/main"/>
+    </p:ext>
+  </p:extLst>
 </p:presentation>
 </file>
 
@@ -249,7 +255,7 @@
             <a:fld id="{B61BEF0D-F0BB-DE4B-95CE-6DB70DBA9567}" type="datetimeFigureOut">
               <a:rPr lang="en-US" smtClean="0"/>
               <a:pPr/>
-              <a:t>5/5/22</a:t>
+              <a:t>5/6/22</a:t>
             </a:fld>
             <a:endParaRPr lang="en-US" dirty="0"/>
           </a:p>
@@ -462,7 +468,7 @@
             <a:fld id="{B61BEF0D-F0BB-DE4B-95CE-6DB70DBA9567}" type="datetimeFigureOut">
               <a:rPr lang="en-US" smtClean="0"/>
               <a:pPr/>
-              <a:t>5/5/22</a:t>
+              <a:t>5/6/22</a:t>
             </a:fld>
             <a:endParaRPr lang="en-US" dirty="0"/>
           </a:p>
@@ -679,7 +685,7 @@
             <a:fld id="{B61BEF0D-F0BB-DE4B-95CE-6DB70DBA9567}" type="datetimeFigureOut">
               <a:rPr lang="en-US" smtClean="0"/>
               <a:pPr/>
-              <a:t>5/5/22</a:t>
+              <a:t>5/6/22</a:t>
             </a:fld>
             <a:endParaRPr lang="en-US" dirty="0"/>
           </a:p>
@@ -881,7 +887,7 @@
           <a:p>
             <a:fld id="{52647F38-B617-4D2F-AE0A-013F0C4D2C57}" type="datetimeFigureOut">
               <a:rPr lang="en-US" smtClean="0"/>
-              <a:t>5/5/22</a:t>
+              <a:t>5/6/22</a:t>
             </a:fld>
             <a:endParaRPr lang="en-US" dirty="0"/>
           </a:p>
@@ -1161,7 +1167,7 @@
             <a:fld id="{B61BEF0D-F0BB-DE4B-95CE-6DB70DBA9567}" type="datetimeFigureOut">
               <a:rPr lang="en-US" smtClean="0"/>
               <a:pPr/>
-              <a:t>5/5/22</a:t>
+              <a:t>5/6/22</a:t>
             </a:fld>
             <a:endParaRPr lang="en-US" dirty="0"/>
           </a:p>
@@ -1430,7 +1436,7 @@
           <a:p>
             <a:fld id="{05BFA754-D5C3-4E66-96A6-867B257F58DC}" type="datetimeFigureOut">
               <a:rPr lang="en-US" smtClean="0"/>
-              <a:t>5/5/22</a:t>
+              <a:t>5/6/22</a:t>
             </a:fld>
             <a:endParaRPr lang="en-US" dirty="0"/>
           </a:p>
@@ -1847,7 +1853,7 @@
             <a:fld id="{B61BEF0D-F0BB-DE4B-95CE-6DB70DBA9567}" type="datetimeFigureOut">
               <a:rPr lang="en-US" smtClean="0"/>
               <a:pPr/>
-              <a:t>5/5/22</a:t>
+              <a:t>5/6/22</a:t>
             </a:fld>
             <a:endParaRPr lang="en-US" dirty="0"/>
           </a:p>
@@ -1998,7 +2004,7 @@
             <a:fld id="{B61BEF0D-F0BB-DE4B-95CE-6DB70DBA9567}" type="datetimeFigureOut">
               <a:rPr lang="en-US" smtClean="0"/>
               <a:pPr/>
-              <a:t>5/5/22</a:t>
+              <a:t>5/6/22</a:t>
             </a:fld>
             <a:endParaRPr lang="en-US" dirty="0"/>
           </a:p>
@@ -2126,7 +2132,7 @@
             <a:fld id="{B61BEF0D-F0BB-DE4B-95CE-6DB70DBA9567}" type="datetimeFigureOut">
               <a:rPr lang="en-US" smtClean="0"/>
               <a:pPr/>
-              <a:t>5/5/22</a:t>
+              <a:t>5/6/22</a:t>
             </a:fld>
             <a:endParaRPr lang="en-US" dirty="0"/>
           </a:p>
@@ -2379,7 +2385,7 @@
             <a:fld id="{B61BEF0D-F0BB-DE4B-95CE-6DB70DBA9567}" type="datetimeFigureOut">
               <a:rPr lang="en-US" smtClean="0"/>
               <a:pPr/>
-              <a:t>5/5/22</a:t>
+              <a:t>5/6/22</a:t>
             </a:fld>
             <a:endParaRPr lang="en-US" dirty="0"/>
           </a:p>
@@ -2826,7 +2832,7 @@
             <a:fld id="{B61BEF0D-F0BB-DE4B-95CE-6DB70DBA9567}" type="datetimeFigureOut">
               <a:rPr lang="en-US" smtClean="0"/>
               <a:pPr/>
-              <a:t>5/5/22</a:t>
+              <a:t>5/6/22</a:t>
             </a:fld>
             <a:endParaRPr lang="en-US" dirty="0"/>
           </a:p>
@@ -3155,7 +3161,7 @@
             <a:fld id="{B61BEF0D-F0BB-DE4B-95CE-6DB70DBA9567}" type="datetimeFigureOut">
               <a:rPr lang="en-US" smtClean="0"/>
               <a:pPr/>
-              <a:t>5/5/22</a:t>
+              <a:t>5/6/22</a:t>
             </a:fld>
             <a:endParaRPr lang="en-US" dirty="0"/>
           </a:p>
@@ -3793,7 +3799,7 @@
           <a:p>
             <a:r>
               <a:rPr lang="en-US" dirty="0"/>
-              <a:t>New banking customers have to be added to the bank database to use this application. </a:t>
+              <a:t>New banking customers have to be added to the bank database (JSON file) to use this application. </a:t>
             </a:r>
           </a:p>
         </p:txBody>
@@ -3833,6 +3839,132 @@
           <p:cNvPr id="2" name="Title 1">
             <a:extLst>
               <a:ext uri="{FF2B5EF4-FFF2-40B4-BE49-F238E27FC236}">
+                <a16:creationId xmlns:a16="http://schemas.microsoft.com/office/drawing/2014/main" id="{2C16483C-3B4A-FC9F-873A-10D40563ECD1}"/>
+              </a:ext>
+            </a:extLst>
+          </p:cNvPr>
+          <p:cNvSpPr>
+            <a:spLocks noGrp="1"/>
+          </p:cNvSpPr>
+          <p:nvPr>
+            <p:ph type="title"/>
+          </p:nvPr>
+        </p:nvSpPr>
+        <p:spPr/>
+        <p:txBody>
+          <a:bodyPr/>
+          <a:lstStyle/>
+          <a:p>
+            <a:r>
+              <a:rPr lang="en-US" dirty="0"/>
+              <a:t>Tech Stack</a:t>
+            </a:r>
+          </a:p>
+        </p:txBody>
+      </p:sp>
+      <p:sp>
+        <p:nvSpPr>
+          <p:cNvPr id="3" name="Content Placeholder 2">
+            <a:extLst>
+              <a:ext uri="{FF2B5EF4-FFF2-40B4-BE49-F238E27FC236}">
+                <a16:creationId xmlns:a16="http://schemas.microsoft.com/office/drawing/2014/main" id="{FEB2F7FF-F040-331B-4724-96AF4DB156F9}"/>
+              </a:ext>
+            </a:extLst>
+          </p:cNvPr>
+          <p:cNvSpPr>
+            <a:spLocks noGrp="1"/>
+          </p:cNvSpPr>
+          <p:nvPr>
+            <p:ph idx="1"/>
+          </p:nvPr>
+        </p:nvSpPr>
+        <p:spPr/>
+        <p:txBody>
+          <a:bodyPr/>
+          <a:lstStyle/>
+          <a:p>
+            <a:r>
+              <a:rPr lang="en-US" dirty="0"/>
+              <a:t>Python 3.10</a:t>
+            </a:r>
+          </a:p>
+          <a:p>
+            <a:r>
+              <a:rPr lang="en-US" dirty="0"/>
+              <a:t>File I/O</a:t>
+            </a:r>
+          </a:p>
+          <a:p>
+            <a:r>
+              <a:rPr lang="en-US" dirty="0"/>
+              <a:t>Collections</a:t>
+            </a:r>
+          </a:p>
+          <a:p>
+            <a:r>
+              <a:rPr lang="en-US" dirty="0"/>
+              <a:t> Visual Studio Code</a:t>
+            </a:r>
+          </a:p>
+          <a:p>
+            <a:r>
+              <a:rPr lang="en-US" dirty="0"/>
+              <a:t>MongoDB (JSON file)</a:t>
+            </a:r>
+          </a:p>
+          <a:p>
+            <a:r>
+              <a:rPr lang="en-US" dirty="0" err="1"/>
+              <a:t>PyMongo</a:t>
+            </a:r>
+            <a:endParaRPr lang="en-US" dirty="0"/>
+          </a:p>
+          <a:p>
+            <a:r>
+              <a:rPr lang="en-US" dirty="0"/>
+              <a:t>git SCM (+ GitHub)</a:t>
+            </a:r>
+          </a:p>
+          <a:p>
+            <a:endParaRPr lang="en-US" dirty="0"/>
+          </a:p>
+        </p:txBody>
+      </p:sp>
+    </p:spTree>
+    <p:extLst>
+      <p:ext uri="{BB962C8B-B14F-4D97-AF65-F5344CB8AC3E}">
+        <p14:creationId xmlns:p14="http://schemas.microsoft.com/office/powerpoint/2010/main" val="3124130012"/>
+      </p:ext>
+    </p:extLst>
+  </p:cSld>
+  <p:clrMapOvr>
+    <a:masterClrMapping/>
+  </p:clrMapOvr>
+</p:sld>
+</file>
+
+<file path=ppt/slides/slide4.xml><?xml version="1.0" encoding="utf-8"?>
+<p:sld xmlns:a="http://schemas.openxmlformats.org/drawingml/2006/main" xmlns:r="http://schemas.openxmlformats.org/officeDocument/2006/relationships" xmlns:p="http://schemas.openxmlformats.org/presentationml/2006/main">
+  <p:cSld>
+    <p:spTree>
+      <p:nvGrpSpPr>
+        <p:cNvPr id="1" name=""/>
+        <p:cNvGrpSpPr/>
+        <p:nvPr/>
+      </p:nvGrpSpPr>
+      <p:grpSpPr>
+        <a:xfrm>
+          <a:off x="0" y="0"/>
+          <a:ext cx="0" cy="0"/>
+          <a:chOff x="0" y="0"/>
+          <a:chExt cx="0" cy="0"/>
+        </a:xfrm>
+      </p:grpSpPr>
+      <p:sp>
+        <p:nvSpPr>
+          <p:cNvPr id="2" name="Title 1">
+            <a:extLst>
+              <a:ext uri="{FF2B5EF4-FFF2-40B4-BE49-F238E27FC236}">
                 <a16:creationId xmlns:a16="http://schemas.microsoft.com/office/drawing/2014/main" id="{3AF6D289-9BCC-161C-8B2B-88E92D606A56}"/>
               </a:ext>
             </a:extLst>
@@ -3849,9 +3981,10 @@
           <a:bodyPr/>
           <a:lstStyle/>
           <a:p>
+            <a:pPr algn="ctr"/>
             <a:r>
               <a:rPr lang="en-US" dirty="0"/>
-              <a:t>Continuing on to Backing Application</a:t>
+              <a:t>Demo Time!!!!</a:t>
             </a:r>
           </a:p>
         </p:txBody>

--- a/Banking Application Presentation.pptx
+++ b/Banking Application Presentation.pptx
@@ -3799,7 +3799,15 @@
           <a:p>
             <a:r>
               <a:rPr lang="en-US" dirty="0"/>
-              <a:t>New banking customers have to be added to the bank database (JSON file) to use this application. </a:t>
+              <a:t>New banking customers have to be added to the bank database (JSON file </a:t>
+            </a:r>
+            <a:r>
+              <a:rPr lang="en-US"/>
+              <a:t>&amp; MongoDB) </a:t>
+            </a:r>
+            <a:r>
+              <a:rPr lang="en-US" dirty="0"/>
+              <a:t>to use this application. </a:t>
             </a:r>
           </a:p>
         </p:txBody>

--- a/Banking Application Presentation.pptx
+++ b/Banking Application Presentation.pptx
@@ -3799,15 +3799,7 @@
           <a:p>
             <a:r>
               <a:rPr lang="en-US" dirty="0"/>
-              <a:t>New banking customers have to be added to the bank database (JSON file </a:t>
-            </a:r>
-            <a:r>
-              <a:rPr lang="en-US"/>
-              <a:t>&amp; MongoDB) </a:t>
-            </a:r>
-            <a:r>
-              <a:rPr lang="en-US" dirty="0"/>
-              <a:t>to use this application. </a:t>
+              <a:t>New banking customers have to be added to the bank database (JSON file &amp; MongoDB) to use this application. </a:t>
             </a:r>
           </a:p>
         </p:txBody>
@@ -3892,15 +3884,10 @@
           <a:lstStyle/>
           <a:p>
             <a:r>
-              <a:rPr lang="en-US" dirty="0"/>
+              <a:rPr lang="en-US"/>
               <a:t>Python 3.10</a:t>
             </a:r>
-          </a:p>
-          <a:p>
-            <a:r>
-              <a:rPr lang="en-US" dirty="0"/>
-              <a:t>File I/O</a:t>
-            </a:r>
+            <a:endParaRPr lang="en-US" dirty="0"/>
           </a:p>
           <a:p>
             <a:r>

--- a/Banking Application Presentation.pptx
+++ b/Banking Application Presentation.pptx
@@ -3892,12 +3892,6 @@
           <a:p>
             <a:r>
               <a:rPr lang="en-US" dirty="0"/>
-              <a:t>Collections</a:t>
-            </a:r>
-          </a:p>
-          <a:p>
-            <a:r>
-              <a:rPr lang="en-US" dirty="0"/>
               <a:t> Visual Studio Code</a:t>
             </a:r>
           </a:p>

--- a/Banking Application Presentation.pptx
+++ b/Banking Application Presentation.pptx
@@ -3799,7 +3799,15 @@
           <a:p>
             <a:r>
               <a:rPr lang="en-US" dirty="0"/>
-              <a:t>New banking customers have to be added to the bank database (JSON file &amp; MongoDB) to use this application. </a:t>
+              <a:t>New banking customers have to be added to the bank database (JSON file &amp; </a:t>
+            </a:r>
+            <a:r>
+              <a:rPr lang="en-US"/>
+              <a:t>MongoDB Compass) </a:t>
+            </a:r>
+            <a:r>
+              <a:rPr lang="en-US" dirty="0"/>
+              <a:t>to use this application. </a:t>
             </a:r>
           </a:p>
         </p:txBody>
@@ -3884,10 +3892,9 @@
           <a:lstStyle/>
           <a:p>
             <a:r>
-              <a:rPr lang="en-US"/>
+              <a:rPr lang="en-US" dirty="0"/>
               <a:t>Python 3.10</a:t>
             </a:r>
-            <a:endParaRPr lang="en-US" dirty="0"/>
           </a:p>
           <a:p>
             <a:r>

--- a/Banking Application Presentation.pptx
+++ b/Banking Application Presentation.pptx
@@ -3799,15 +3799,7 @@
           <a:p>
             <a:r>
               <a:rPr lang="en-US" dirty="0"/>
-              <a:t>New banking customers have to be added to the bank database (JSON file &amp; </a:t>
-            </a:r>
-            <a:r>
-              <a:rPr lang="en-US"/>
-              <a:t>MongoDB Compass) </a:t>
-            </a:r>
-            <a:r>
-              <a:rPr lang="en-US" dirty="0"/>
-              <a:t>to use this application. </a:t>
+              <a:t>New banking customers have to be added to the bank database (JSON file or MongoDB Compass) to use this application. </a:t>
             </a:r>
           </a:p>
         </p:txBody>
